--- a/презентация_проекта.pptx
+++ b/презентация_проекта.pptx
@@ -146,7 +146,7 @@
           <p:cNvPr id="2" name="Заголовок 1">
             <a:extLst>
               <a:ext uri="{FF2B5EF4-FFF2-40B4-BE49-F238E27FC236}">
-                <a16:creationId xmlns:a16="http://schemas.microsoft.com/office/drawing/2014/main" xmlns="" id="{29545097-CCA5-4E23-BCFF-12AB93BBC24F}"/>
+                <a16:creationId xmlns="" xmlns:a16="http://schemas.microsoft.com/office/drawing/2014/main" id="{29545097-CCA5-4E23-BCFF-12AB93BBC24F}"/>
               </a:ext>
             </a:extLst>
           </p:cNvPr>
@@ -183,7 +183,7 @@
           <p:cNvPr id="3" name="Подзаголовок 2">
             <a:extLst>
               <a:ext uri="{FF2B5EF4-FFF2-40B4-BE49-F238E27FC236}">
-                <a16:creationId xmlns:a16="http://schemas.microsoft.com/office/drawing/2014/main" xmlns="" id="{335B2C1F-78EF-47CF-A006-A769263C0E23}"/>
+                <a16:creationId xmlns="" xmlns:a16="http://schemas.microsoft.com/office/drawing/2014/main" id="{335B2C1F-78EF-47CF-A006-A769263C0E23}"/>
               </a:ext>
             </a:extLst>
           </p:cNvPr>
@@ -253,7 +253,7 @@
           <p:cNvPr id="4" name="Дата 3">
             <a:extLst>
               <a:ext uri="{FF2B5EF4-FFF2-40B4-BE49-F238E27FC236}">
-                <a16:creationId xmlns:a16="http://schemas.microsoft.com/office/drawing/2014/main" xmlns="" id="{EE6447F9-3E03-4438-8E53-2D5D3BAB7D5F}"/>
+                <a16:creationId xmlns="" xmlns:a16="http://schemas.microsoft.com/office/drawing/2014/main" id="{EE6447F9-3E03-4438-8E53-2D5D3BAB7D5F}"/>
               </a:ext>
             </a:extLst>
           </p:cNvPr>
@@ -282,7 +282,7 @@
           <p:cNvPr id="5" name="Нижний колонтитул 4">
             <a:extLst>
               <a:ext uri="{FF2B5EF4-FFF2-40B4-BE49-F238E27FC236}">
-                <a16:creationId xmlns:a16="http://schemas.microsoft.com/office/drawing/2014/main" xmlns="" id="{6C35653C-5FCC-4C65-A606-AE85B9C52414}"/>
+                <a16:creationId xmlns="" xmlns:a16="http://schemas.microsoft.com/office/drawing/2014/main" id="{6C35653C-5FCC-4C65-A606-AE85B9C52414}"/>
               </a:ext>
             </a:extLst>
           </p:cNvPr>
@@ -307,7 +307,7 @@
           <p:cNvPr id="6" name="Номер слайда 5">
             <a:extLst>
               <a:ext uri="{FF2B5EF4-FFF2-40B4-BE49-F238E27FC236}">
-                <a16:creationId xmlns:a16="http://schemas.microsoft.com/office/drawing/2014/main" xmlns="" id="{5134DBCD-9677-4E04-8DFB-45C1BD52BAF7}"/>
+                <a16:creationId xmlns="" xmlns:a16="http://schemas.microsoft.com/office/drawing/2014/main" id="{5134DBCD-9677-4E04-8DFB-45C1BD52BAF7}"/>
               </a:ext>
             </a:extLst>
           </p:cNvPr>
@@ -366,7 +366,7 @@
           <p:cNvPr id="2" name="Заголовок 1">
             <a:extLst>
               <a:ext uri="{FF2B5EF4-FFF2-40B4-BE49-F238E27FC236}">
-                <a16:creationId xmlns:a16="http://schemas.microsoft.com/office/drawing/2014/main" xmlns="" id="{0D5A8B28-C073-441F-AE3D-3F9E1FD0670A}"/>
+                <a16:creationId xmlns="" xmlns:a16="http://schemas.microsoft.com/office/drawing/2014/main" id="{0D5A8B28-C073-441F-AE3D-3F9E1FD0670A}"/>
               </a:ext>
             </a:extLst>
           </p:cNvPr>
@@ -394,7 +394,7 @@
           <p:cNvPr id="3" name="Вертикальный текст 2">
             <a:extLst>
               <a:ext uri="{FF2B5EF4-FFF2-40B4-BE49-F238E27FC236}">
-                <a16:creationId xmlns:a16="http://schemas.microsoft.com/office/drawing/2014/main" xmlns="" id="{DFFF2FC4-4D25-45B0-A6AA-227EB335019A}"/>
+                <a16:creationId xmlns="" xmlns:a16="http://schemas.microsoft.com/office/drawing/2014/main" id="{DFFF2FC4-4D25-45B0-A6AA-227EB335019A}"/>
               </a:ext>
             </a:extLst>
           </p:cNvPr>
@@ -451,7 +451,7 @@
           <p:cNvPr id="4" name="Дата 3">
             <a:extLst>
               <a:ext uri="{FF2B5EF4-FFF2-40B4-BE49-F238E27FC236}">
-                <a16:creationId xmlns:a16="http://schemas.microsoft.com/office/drawing/2014/main" xmlns="" id="{798A6E38-0A96-4919-AA19-6808A2DD031C}"/>
+                <a16:creationId xmlns="" xmlns:a16="http://schemas.microsoft.com/office/drawing/2014/main" id="{798A6E38-0A96-4919-AA19-6808A2DD031C}"/>
               </a:ext>
             </a:extLst>
           </p:cNvPr>
@@ -480,7 +480,7 @@
           <p:cNvPr id="5" name="Нижний колонтитул 4">
             <a:extLst>
               <a:ext uri="{FF2B5EF4-FFF2-40B4-BE49-F238E27FC236}">
-                <a16:creationId xmlns:a16="http://schemas.microsoft.com/office/drawing/2014/main" xmlns="" id="{508AC28C-D345-4D01-A201-D65A21664655}"/>
+                <a16:creationId xmlns="" xmlns:a16="http://schemas.microsoft.com/office/drawing/2014/main" id="{508AC28C-D345-4D01-A201-D65A21664655}"/>
               </a:ext>
             </a:extLst>
           </p:cNvPr>
@@ -505,7 +505,7 @@
           <p:cNvPr id="6" name="Номер слайда 5">
             <a:extLst>
               <a:ext uri="{FF2B5EF4-FFF2-40B4-BE49-F238E27FC236}">
-                <a16:creationId xmlns:a16="http://schemas.microsoft.com/office/drawing/2014/main" xmlns="" id="{BA8E8D7B-F07F-4ABF-9CE4-37902B332A7F}"/>
+                <a16:creationId xmlns="" xmlns:a16="http://schemas.microsoft.com/office/drawing/2014/main" id="{BA8E8D7B-F07F-4ABF-9CE4-37902B332A7F}"/>
               </a:ext>
             </a:extLst>
           </p:cNvPr>
@@ -564,7 +564,7 @@
           <p:cNvPr id="2" name="Вертикальный заголовок 1">
             <a:extLst>
               <a:ext uri="{FF2B5EF4-FFF2-40B4-BE49-F238E27FC236}">
-                <a16:creationId xmlns:a16="http://schemas.microsoft.com/office/drawing/2014/main" xmlns="" id="{1AA6E27A-F9B7-40F8-84E0-DD3770FDDD4E}"/>
+                <a16:creationId xmlns="" xmlns:a16="http://schemas.microsoft.com/office/drawing/2014/main" id="{1AA6E27A-F9B7-40F8-84E0-DD3770FDDD4E}"/>
               </a:ext>
             </a:extLst>
           </p:cNvPr>
@@ -597,7 +597,7 @@
           <p:cNvPr id="3" name="Вертикальный текст 2">
             <a:extLst>
               <a:ext uri="{FF2B5EF4-FFF2-40B4-BE49-F238E27FC236}">
-                <a16:creationId xmlns:a16="http://schemas.microsoft.com/office/drawing/2014/main" xmlns="" id="{E963A736-D10D-4FEB-BFFC-762543D236CB}"/>
+                <a16:creationId xmlns="" xmlns:a16="http://schemas.microsoft.com/office/drawing/2014/main" id="{E963A736-D10D-4FEB-BFFC-762543D236CB}"/>
               </a:ext>
             </a:extLst>
           </p:cNvPr>
@@ -659,7 +659,7 @@
           <p:cNvPr id="4" name="Дата 3">
             <a:extLst>
               <a:ext uri="{FF2B5EF4-FFF2-40B4-BE49-F238E27FC236}">
-                <a16:creationId xmlns:a16="http://schemas.microsoft.com/office/drawing/2014/main" xmlns="" id="{BB0D13CF-6607-43F1-AF31-70BA836E25EB}"/>
+                <a16:creationId xmlns="" xmlns:a16="http://schemas.microsoft.com/office/drawing/2014/main" id="{BB0D13CF-6607-43F1-AF31-70BA836E25EB}"/>
               </a:ext>
             </a:extLst>
           </p:cNvPr>
@@ -688,7 +688,7 @@
           <p:cNvPr id="5" name="Нижний колонтитул 4">
             <a:extLst>
               <a:ext uri="{FF2B5EF4-FFF2-40B4-BE49-F238E27FC236}">
-                <a16:creationId xmlns:a16="http://schemas.microsoft.com/office/drawing/2014/main" xmlns="" id="{893666FA-5D0F-40BA-9A1A-955E853D8E89}"/>
+                <a16:creationId xmlns="" xmlns:a16="http://schemas.microsoft.com/office/drawing/2014/main" id="{893666FA-5D0F-40BA-9A1A-955E853D8E89}"/>
               </a:ext>
             </a:extLst>
           </p:cNvPr>
@@ -713,7 +713,7 @@
           <p:cNvPr id="6" name="Номер слайда 5">
             <a:extLst>
               <a:ext uri="{FF2B5EF4-FFF2-40B4-BE49-F238E27FC236}">
-                <a16:creationId xmlns:a16="http://schemas.microsoft.com/office/drawing/2014/main" xmlns="" id="{B0F46E23-0867-45F6-9CCF-724529684E6B}"/>
+                <a16:creationId xmlns="" xmlns:a16="http://schemas.microsoft.com/office/drawing/2014/main" id="{B0F46E23-0867-45F6-9CCF-724529684E6B}"/>
               </a:ext>
             </a:extLst>
           </p:cNvPr>
@@ -772,7 +772,7 @@
           <p:cNvPr id="2" name="Заголовок 1">
             <a:extLst>
               <a:ext uri="{FF2B5EF4-FFF2-40B4-BE49-F238E27FC236}">
-                <a16:creationId xmlns:a16="http://schemas.microsoft.com/office/drawing/2014/main" xmlns="" id="{18BF64FC-15C6-4FAE-AA92-D840A50166B4}"/>
+                <a16:creationId xmlns="" xmlns:a16="http://schemas.microsoft.com/office/drawing/2014/main" id="{18BF64FC-15C6-4FAE-AA92-D840A50166B4}"/>
               </a:ext>
             </a:extLst>
           </p:cNvPr>
@@ -800,7 +800,7 @@
           <p:cNvPr id="3" name="Объект 2">
             <a:extLst>
               <a:ext uri="{FF2B5EF4-FFF2-40B4-BE49-F238E27FC236}">
-                <a16:creationId xmlns:a16="http://schemas.microsoft.com/office/drawing/2014/main" xmlns="" id="{7F7781DE-745B-4D6F-B1C6-910798BC1BEA}"/>
+                <a16:creationId xmlns="" xmlns:a16="http://schemas.microsoft.com/office/drawing/2014/main" id="{7F7781DE-745B-4D6F-B1C6-910798BC1BEA}"/>
               </a:ext>
             </a:extLst>
           </p:cNvPr>
@@ -857,7 +857,7 @@
           <p:cNvPr id="4" name="Дата 3">
             <a:extLst>
               <a:ext uri="{FF2B5EF4-FFF2-40B4-BE49-F238E27FC236}">
-                <a16:creationId xmlns:a16="http://schemas.microsoft.com/office/drawing/2014/main" xmlns="" id="{ACAB66A6-512B-4FFC-8CC0-CD5EB0E7C22E}"/>
+                <a16:creationId xmlns="" xmlns:a16="http://schemas.microsoft.com/office/drawing/2014/main" id="{ACAB66A6-512B-4FFC-8CC0-CD5EB0E7C22E}"/>
               </a:ext>
             </a:extLst>
           </p:cNvPr>
@@ -886,7 +886,7 @@
           <p:cNvPr id="5" name="Нижний колонтитул 4">
             <a:extLst>
               <a:ext uri="{FF2B5EF4-FFF2-40B4-BE49-F238E27FC236}">
-                <a16:creationId xmlns:a16="http://schemas.microsoft.com/office/drawing/2014/main" xmlns="" id="{138F2F68-0AF6-4120-AC50-0503133F0C10}"/>
+                <a16:creationId xmlns="" xmlns:a16="http://schemas.microsoft.com/office/drawing/2014/main" id="{138F2F68-0AF6-4120-AC50-0503133F0C10}"/>
               </a:ext>
             </a:extLst>
           </p:cNvPr>
@@ -911,7 +911,7 @@
           <p:cNvPr id="6" name="Номер слайда 5">
             <a:extLst>
               <a:ext uri="{FF2B5EF4-FFF2-40B4-BE49-F238E27FC236}">
-                <a16:creationId xmlns:a16="http://schemas.microsoft.com/office/drawing/2014/main" xmlns="" id="{6D73B1D9-547A-435B-93ED-CB0895830946}"/>
+                <a16:creationId xmlns="" xmlns:a16="http://schemas.microsoft.com/office/drawing/2014/main" id="{6D73B1D9-547A-435B-93ED-CB0895830946}"/>
               </a:ext>
             </a:extLst>
           </p:cNvPr>
@@ -970,7 +970,7 @@
           <p:cNvPr id="2" name="Заголовок 1">
             <a:extLst>
               <a:ext uri="{FF2B5EF4-FFF2-40B4-BE49-F238E27FC236}">
-                <a16:creationId xmlns:a16="http://schemas.microsoft.com/office/drawing/2014/main" xmlns="" id="{442D9014-A692-4D11-A87F-DAAAE55A6D90}"/>
+                <a16:creationId xmlns="" xmlns:a16="http://schemas.microsoft.com/office/drawing/2014/main" id="{442D9014-A692-4D11-A87F-DAAAE55A6D90}"/>
               </a:ext>
             </a:extLst>
           </p:cNvPr>
@@ -1007,7 +1007,7 @@
           <p:cNvPr id="3" name="Текст 2">
             <a:extLst>
               <a:ext uri="{FF2B5EF4-FFF2-40B4-BE49-F238E27FC236}">
-                <a16:creationId xmlns:a16="http://schemas.microsoft.com/office/drawing/2014/main" xmlns="" id="{8B787798-F165-440C-BBFA-EFCA11F0107F}"/>
+                <a16:creationId xmlns="" xmlns:a16="http://schemas.microsoft.com/office/drawing/2014/main" id="{8B787798-F165-440C-BBFA-EFCA11F0107F}"/>
               </a:ext>
             </a:extLst>
           </p:cNvPr>
@@ -1132,7 +1132,7 @@
           <p:cNvPr id="4" name="Дата 3">
             <a:extLst>
               <a:ext uri="{FF2B5EF4-FFF2-40B4-BE49-F238E27FC236}">
-                <a16:creationId xmlns:a16="http://schemas.microsoft.com/office/drawing/2014/main" xmlns="" id="{95020F59-878D-43FD-A7BF-66A6829BF878}"/>
+                <a16:creationId xmlns="" xmlns:a16="http://schemas.microsoft.com/office/drawing/2014/main" id="{95020F59-878D-43FD-A7BF-66A6829BF878}"/>
               </a:ext>
             </a:extLst>
           </p:cNvPr>
@@ -1161,7 +1161,7 @@
           <p:cNvPr id="5" name="Нижний колонтитул 4">
             <a:extLst>
               <a:ext uri="{FF2B5EF4-FFF2-40B4-BE49-F238E27FC236}">
-                <a16:creationId xmlns:a16="http://schemas.microsoft.com/office/drawing/2014/main" xmlns="" id="{5B3BF2A0-3E76-4CC3-8886-FD3699331ACB}"/>
+                <a16:creationId xmlns="" xmlns:a16="http://schemas.microsoft.com/office/drawing/2014/main" id="{5B3BF2A0-3E76-4CC3-8886-FD3699331ACB}"/>
               </a:ext>
             </a:extLst>
           </p:cNvPr>
@@ -1186,7 +1186,7 @@
           <p:cNvPr id="6" name="Номер слайда 5">
             <a:extLst>
               <a:ext uri="{FF2B5EF4-FFF2-40B4-BE49-F238E27FC236}">
-                <a16:creationId xmlns:a16="http://schemas.microsoft.com/office/drawing/2014/main" xmlns="" id="{4713A939-694B-4701-8B7D-197E828CE347}"/>
+                <a16:creationId xmlns="" xmlns:a16="http://schemas.microsoft.com/office/drawing/2014/main" id="{4713A939-694B-4701-8B7D-197E828CE347}"/>
               </a:ext>
             </a:extLst>
           </p:cNvPr>
@@ -1245,7 +1245,7 @@
           <p:cNvPr id="2" name="Заголовок 1">
             <a:extLst>
               <a:ext uri="{FF2B5EF4-FFF2-40B4-BE49-F238E27FC236}">
-                <a16:creationId xmlns:a16="http://schemas.microsoft.com/office/drawing/2014/main" xmlns="" id="{89C73728-690E-47D3-97C2-37C5DBB5A73F}"/>
+                <a16:creationId xmlns="" xmlns:a16="http://schemas.microsoft.com/office/drawing/2014/main" id="{89C73728-690E-47D3-97C2-37C5DBB5A73F}"/>
               </a:ext>
             </a:extLst>
           </p:cNvPr>
@@ -1273,7 +1273,7 @@
           <p:cNvPr id="3" name="Объект 2">
             <a:extLst>
               <a:ext uri="{FF2B5EF4-FFF2-40B4-BE49-F238E27FC236}">
-                <a16:creationId xmlns:a16="http://schemas.microsoft.com/office/drawing/2014/main" xmlns="" id="{7408E957-76C6-48A8-863B-2BCBFD3CB607}"/>
+                <a16:creationId xmlns="" xmlns:a16="http://schemas.microsoft.com/office/drawing/2014/main" id="{7408E957-76C6-48A8-863B-2BCBFD3CB607}"/>
               </a:ext>
             </a:extLst>
           </p:cNvPr>
@@ -1335,7 +1335,7 @@
           <p:cNvPr id="4" name="Объект 3">
             <a:extLst>
               <a:ext uri="{FF2B5EF4-FFF2-40B4-BE49-F238E27FC236}">
-                <a16:creationId xmlns:a16="http://schemas.microsoft.com/office/drawing/2014/main" xmlns="" id="{8D3C6CA6-3EB8-4223-B773-91CCFFE8A499}"/>
+                <a16:creationId xmlns="" xmlns:a16="http://schemas.microsoft.com/office/drawing/2014/main" id="{8D3C6CA6-3EB8-4223-B773-91CCFFE8A499}"/>
               </a:ext>
             </a:extLst>
           </p:cNvPr>
@@ -1397,7 +1397,7 @@
           <p:cNvPr id="5" name="Дата 4">
             <a:extLst>
               <a:ext uri="{FF2B5EF4-FFF2-40B4-BE49-F238E27FC236}">
-                <a16:creationId xmlns:a16="http://schemas.microsoft.com/office/drawing/2014/main" xmlns="" id="{45375C4C-0603-41FE-85FC-2AFC13FB4D77}"/>
+                <a16:creationId xmlns="" xmlns:a16="http://schemas.microsoft.com/office/drawing/2014/main" id="{45375C4C-0603-41FE-85FC-2AFC13FB4D77}"/>
               </a:ext>
             </a:extLst>
           </p:cNvPr>
@@ -1426,7 +1426,7 @@
           <p:cNvPr id="6" name="Нижний колонтитул 5">
             <a:extLst>
               <a:ext uri="{FF2B5EF4-FFF2-40B4-BE49-F238E27FC236}">
-                <a16:creationId xmlns:a16="http://schemas.microsoft.com/office/drawing/2014/main" xmlns="" id="{02BA87C4-D745-4CE6-BE90-62DDC3C87673}"/>
+                <a16:creationId xmlns="" xmlns:a16="http://schemas.microsoft.com/office/drawing/2014/main" id="{02BA87C4-D745-4CE6-BE90-62DDC3C87673}"/>
               </a:ext>
             </a:extLst>
           </p:cNvPr>
@@ -1451,7 +1451,7 @@
           <p:cNvPr id="7" name="Номер слайда 6">
             <a:extLst>
               <a:ext uri="{FF2B5EF4-FFF2-40B4-BE49-F238E27FC236}">
-                <a16:creationId xmlns:a16="http://schemas.microsoft.com/office/drawing/2014/main" xmlns="" id="{FB8291F7-688D-42B9-B958-9AC0B6A1DF16}"/>
+                <a16:creationId xmlns="" xmlns:a16="http://schemas.microsoft.com/office/drawing/2014/main" id="{FB8291F7-688D-42B9-B958-9AC0B6A1DF16}"/>
               </a:ext>
             </a:extLst>
           </p:cNvPr>
@@ -1510,7 +1510,7 @@
           <p:cNvPr id="2" name="Заголовок 1">
             <a:extLst>
               <a:ext uri="{FF2B5EF4-FFF2-40B4-BE49-F238E27FC236}">
-                <a16:creationId xmlns:a16="http://schemas.microsoft.com/office/drawing/2014/main" xmlns="" id="{AC10BE07-86AD-4869-AE06-554E1877A7E7}"/>
+                <a16:creationId xmlns="" xmlns:a16="http://schemas.microsoft.com/office/drawing/2014/main" id="{AC10BE07-86AD-4869-AE06-554E1877A7E7}"/>
               </a:ext>
             </a:extLst>
           </p:cNvPr>
@@ -1543,7 +1543,7 @@
           <p:cNvPr id="3" name="Текст 2">
             <a:extLst>
               <a:ext uri="{FF2B5EF4-FFF2-40B4-BE49-F238E27FC236}">
-                <a16:creationId xmlns:a16="http://schemas.microsoft.com/office/drawing/2014/main" xmlns="" id="{49C85631-F26B-4CBF-BD5E-FE9D065B91A1}"/>
+                <a16:creationId xmlns="" xmlns:a16="http://schemas.microsoft.com/office/drawing/2014/main" id="{49C85631-F26B-4CBF-BD5E-FE9D065B91A1}"/>
               </a:ext>
             </a:extLst>
           </p:cNvPr>
@@ -1614,7 +1614,7 @@
           <p:cNvPr id="4" name="Объект 3">
             <a:extLst>
               <a:ext uri="{FF2B5EF4-FFF2-40B4-BE49-F238E27FC236}">
-                <a16:creationId xmlns:a16="http://schemas.microsoft.com/office/drawing/2014/main" xmlns="" id="{092D3207-5B91-4384-8715-87A876B0B3D7}"/>
+                <a16:creationId xmlns="" xmlns:a16="http://schemas.microsoft.com/office/drawing/2014/main" id="{092D3207-5B91-4384-8715-87A876B0B3D7}"/>
               </a:ext>
             </a:extLst>
           </p:cNvPr>
@@ -1676,7 +1676,7 @@
           <p:cNvPr id="5" name="Текст 4">
             <a:extLst>
               <a:ext uri="{FF2B5EF4-FFF2-40B4-BE49-F238E27FC236}">
-                <a16:creationId xmlns:a16="http://schemas.microsoft.com/office/drawing/2014/main" xmlns="" id="{C9645D52-7E89-4EFF-99D5-E26B8D60148D}"/>
+                <a16:creationId xmlns="" xmlns:a16="http://schemas.microsoft.com/office/drawing/2014/main" id="{C9645D52-7E89-4EFF-99D5-E26B8D60148D}"/>
               </a:ext>
             </a:extLst>
           </p:cNvPr>
@@ -1747,7 +1747,7 @@
           <p:cNvPr id="6" name="Объект 5">
             <a:extLst>
               <a:ext uri="{FF2B5EF4-FFF2-40B4-BE49-F238E27FC236}">
-                <a16:creationId xmlns:a16="http://schemas.microsoft.com/office/drawing/2014/main" xmlns="" id="{6B05D030-785E-4338-A905-D4DB0ECBC898}"/>
+                <a16:creationId xmlns="" xmlns:a16="http://schemas.microsoft.com/office/drawing/2014/main" id="{6B05D030-785E-4338-A905-D4DB0ECBC898}"/>
               </a:ext>
             </a:extLst>
           </p:cNvPr>
@@ -1809,7 +1809,7 @@
           <p:cNvPr id="7" name="Дата 6">
             <a:extLst>
               <a:ext uri="{FF2B5EF4-FFF2-40B4-BE49-F238E27FC236}">
-                <a16:creationId xmlns:a16="http://schemas.microsoft.com/office/drawing/2014/main" xmlns="" id="{031DCBAD-6753-4944-A193-FA1661700593}"/>
+                <a16:creationId xmlns="" xmlns:a16="http://schemas.microsoft.com/office/drawing/2014/main" id="{031DCBAD-6753-4944-A193-FA1661700593}"/>
               </a:ext>
             </a:extLst>
           </p:cNvPr>
@@ -1838,7 +1838,7 @@
           <p:cNvPr id="8" name="Нижний колонтитул 7">
             <a:extLst>
               <a:ext uri="{FF2B5EF4-FFF2-40B4-BE49-F238E27FC236}">
-                <a16:creationId xmlns:a16="http://schemas.microsoft.com/office/drawing/2014/main" xmlns="" id="{F86FF552-76BE-4DE6-8830-5693622FE4C0}"/>
+                <a16:creationId xmlns="" xmlns:a16="http://schemas.microsoft.com/office/drawing/2014/main" id="{F86FF552-76BE-4DE6-8830-5693622FE4C0}"/>
               </a:ext>
             </a:extLst>
           </p:cNvPr>
@@ -1863,7 +1863,7 @@
           <p:cNvPr id="9" name="Номер слайда 8">
             <a:extLst>
               <a:ext uri="{FF2B5EF4-FFF2-40B4-BE49-F238E27FC236}">
-                <a16:creationId xmlns:a16="http://schemas.microsoft.com/office/drawing/2014/main" xmlns="" id="{FFE11556-8112-453C-B9E9-7719982E6E54}"/>
+                <a16:creationId xmlns="" xmlns:a16="http://schemas.microsoft.com/office/drawing/2014/main" id="{FFE11556-8112-453C-B9E9-7719982E6E54}"/>
               </a:ext>
             </a:extLst>
           </p:cNvPr>
@@ -1922,7 +1922,7 @@
           <p:cNvPr id="2" name="Заголовок 1">
             <a:extLst>
               <a:ext uri="{FF2B5EF4-FFF2-40B4-BE49-F238E27FC236}">
-                <a16:creationId xmlns:a16="http://schemas.microsoft.com/office/drawing/2014/main" xmlns="" id="{73D427AC-5F43-4CF3-B6B2-F232A70F76B5}"/>
+                <a16:creationId xmlns="" xmlns:a16="http://schemas.microsoft.com/office/drawing/2014/main" id="{73D427AC-5F43-4CF3-B6B2-F232A70F76B5}"/>
               </a:ext>
             </a:extLst>
           </p:cNvPr>
@@ -1950,7 +1950,7 @@
           <p:cNvPr id="3" name="Дата 2">
             <a:extLst>
               <a:ext uri="{FF2B5EF4-FFF2-40B4-BE49-F238E27FC236}">
-                <a16:creationId xmlns:a16="http://schemas.microsoft.com/office/drawing/2014/main" xmlns="" id="{258D2B35-5582-4940-BC0F-C06290B3AF33}"/>
+                <a16:creationId xmlns="" xmlns:a16="http://schemas.microsoft.com/office/drawing/2014/main" id="{258D2B35-5582-4940-BC0F-C06290B3AF33}"/>
               </a:ext>
             </a:extLst>
           </p:cNvPr>
@@ -1979,7 +1979,7 @@
           <p:cNvPr id="4" name="Нижний колонтитул 3">
             <a:extLst>
               <a:ext uri="{FF2B5EF4-FFF2-40B4-BE49-F238E27FC236}">
-                <a16:creationId xmlns:a16="http://schemas.microsoft.com/office/drawing/2014/main" xmlns="" id="{5D61BF4F-CA01-4DDA-A819-D71F14A8B7A6}"/>
+                <a16:creationId xmlns="" xmlns:a16="http://schemas.microsoft.com/office/drawing/2014/main" id="{5D61BF4F-CA01-4DDA-A819-D71F14A8B7A6}"/>
               </a:ext>
             </a:extLst>
           </p:cNvPr>
@@ -2004,7 +2004,7 @@
           <p:cNvPr id="5" name="Номер слайда 4">
             <a:extLst>
               <a:ext uri="{FF2B5EF4-FFF2-40B4-BE49-F238E27FC236}">
-                <a16:creationId xmlns:a16="http://schemas.microsoft.com/office/drawing/2014/main" xmlns="" id="{FF4FD3CF-9B7E-44BC-8E1B-964F7866ACB3}"/>
+                <a16:creationId xmlns="" xmlns:a16="http://schemas.microsoft.com/office/drawing/2014/main" id="{FF4FD3CF-9B7E-44BC-8E1B-964F7866ACB3}"/>
               </a:ext>
             </a:extLst>
           </p:cNvPr>
@@ -2063,7 +2063,7 @@
           <p:cNvPr id="2" name="Дата 1">
             <a:extLst>
               <a:ext uri="{FF2B5EF4-FFF2-40B4-BE49-F238E27FC236}">
-                <a16:creationId xmlns:a16="http://schemas.microsoft.com/office/drawing/2014/main" xmlns="" id="{534E3026-1778-43E3-9F70-15ABC12DA102}"/>
+                <a16:creationId xmlns="" xmlns:a16="http://schemas.microsoft.com/office/drawing/2014/main" id="{534E3026-1778-43E3-9F70-15ABC12DA102}"/>
               </a:ext>
             </a:extLst>
           </p:cNvPr>
@@ -2092,7 +2092,7 @@
           <p:cNvPr id="3" name="Нижний колонтитул 2">
             <a:extLst>
               <a:ext uri="{FF2B5EF4-FFF2-40B4-BE49-F238E27FC236}">
-                <a16:creationId xmlns:a16="http://schemas.microsoft.com/office/drawing/2014/main" xmlns="" id="{20594957-7EB3-4D0F-808D-AD119D4A63C8}"/>
+                <a16:creationId xmlns="" xmlns:a16="http://schemas.microsoft.com/office/drawing/2014/main" id="{20594957-7EB3-4D0F-808D-AD119D4A63C8}"/>
               </a:ext>
             </a:extLst>
           </p:cNvPr>
@@ -2117,7 +2117,7 @@
           <p:cNvPr id="4" name="Номер слайда 3">
             <a:extLst>
               <a:ext uri="{FF2B5EF4-FFF2-40B4-BE49-F238E27FC236}">
-                <a16:creationId xmlns:a16="http://schemas.microsoft.com/office/drawing/2014/main" xmlns="" id="{789D297D-3586-439F-90AA-9112182950E5}"/>
+                <a16:creationId xmlns="" xmlns:a16="http://schemas.microsoft.com/office/drawing/2014/main" id="{789D297D-3586-439F-90AA-9112182950E5}"/>
               </a:ext>
             </a:extLst>
           </p:cNvPr>
@@ -2176,7 +2176,7 @@
           <p:cNvPr id="2" name="Заголовок 1">
             <a:extLst>
               <a:ext uri="{FF2B5EF4-FFF2-40B4-BE49-F238E27FC236}">
-                <a16:creationId xmlns:a16="http://schemas.microsoft.com/office/drawing/2014/main" xmlns="" id="{7EBEFD76-AEE7-4FD7-804B-7AB5180B1D98}"/>
+                <a16:creationId xmlns="" xmlns:a16="http://schemas.microsoft.com/office/drawing/2014/main" id="{7EBEFD76-AEE7-4FD7-804B-7AB5180B1D98}"/>
               </a:ext>
             </a:extLst>
           </p:cNvPr>
@@ -2213,7 +2213,7 @@
           <p:cNvPr id="3" name="Объект 2">
             <a:extLst>
               <a:ext uri="{FF2B5EF4-FFF2-40B4-BE49-F238E27FC236}">
-                <a16:creationId xmlns:a16="http://schemas.microsoft.com/office/drawing/2014/main" xmlns="" id="{7D1373F7-1B33-41C8-80AF-59E665AAC88A}"/>
+                <a16:creationId xmlns="" xmlns:a16="http://schemas.microsoft.com/office/drawing/2014/main" id="{7D1373F7-1B33-41C8-80AF-59E665AAC88A}"/>
               </a:ext>
             </a:extLst>
           </p:cNvPr>
@@ -2303,7 +2303,7 @@
           <p:cNvPr id="4" name="Текст 3">
             <a:extLst>
               <a:ext uri="{FF2B5EF4-FFF2-40B4-BE49-F238E27FC236}">
-                <a16:creationId xmlns:a16="http://schemas.microsoft.com/office/drawing/2014/main" xmlns="" id="{1B8454C7-921D-4C11-B70B-29A4CEDF8CBC}"/>
+                <a16:creationId xmlns="" xmlns:a16="http://schemas.microsoft.com/office/drawing/2014/main" id="{1B8454C7-921D-4C11-B70B-29A4CEDF8CBC}"/>
               </a:ext>
             </a:extLst>
           </p:cNvPr>
@@ -2374,7 +2374,7 @@
           <p:cNvPr id="5" name="Дата 4">
             <a:extLst>
               <a:ext uri="{FF2B5EF4-FFF2-40B4-BE49-F238E27FC236}">
-                <a16:creationId xmlns:a16="http://schemas.microsoft.com/office/drawing/2014/main" xmlns="" id="{27964CA5-A0F9-45B7-B77A-D7FE429BF652}"/>
+                <a16:creationId xmlns="" xmlns:a16="http://schemas.microsoft.com/office/drawing/2014/main" id="{27964CA5-A0F9-45B7-B77A-D7FE429BF652}"/>
               </a:ext>
             </a:extLst>
           </p:cNvPr>
@@ -2403,7 +2403,7 @@
           <p:cNvPr id="6" name="Нижний колонтитул 5">
             <a:extLst>
               <a:ext uri="{FF2B5EF4-FFF2-40B4-BE49-F238E27FC236}">
-                <a16:creationId xmlns:a16="http://schemas.microsoft.com/office/drawing/2014/main" xmlns="" id="{322240D4-D429-4DDA-9A2E-8CCA15FC31F7}"/>
+                <a16:creationId xmlns="" xmlns:a16="http://schemas.microsoft.com/office/drawing/2014/main" id="{322240D4-D429-4DDA-9A2E-8CCA15FC31F7}"/>
               </a:ext>
             </a:extLst>
           </p:cNvPr>
@@ -2428,7 +2428,7 @@
           <p:cNvPr id="7" name="Номер слайда 6">
             <a:extLst>
               <a:ext uri="{FF2B5EF4-FFF2-40B4-BE49-F238E27FC236}">
-                <a16:creationId xmlns:a16="http://schemas.microsoft.com/office/drawing/2014/main" xmlns="" id="{4D7A59B9-0D19-47A8-ADC4-C423498E3DF8}"/>
+                <a16:creationId xmlns="" xmlns:a16="http://schemas.microsoft.com/office/drawing/2014/main" id="{4D7A59B9-0D19-47A8-ADC4-C423498E3DF8}"/>
               </a:ext>
             </a:extLst>
           </p:cNvPr>
@@ -2487,7 +2487,7 @@
           <p:cNvPr id="2" name="Заголовок 1">
             <a:extLst>
               <a:ext uri="{FF2B5EF4-FFF2-40B4-BE49-F238E27FC236}">
-                <a16:creationId xmlns:a16="http://schemas.microsoft.com/office/drawing/2014/main" xmlns="" id="{84341CA5-65D6-4922-9D6F-EE6384AB60A6}"/>
+                <a16:creationId xmlns="" xmlns:a16="http://schemas.microsoft.com/office/drawing/2014/main" id="{84341CA5-65D6-4922-9D6F-EE6384AB60A6}"/>
               </a:ext>
             </a:extLst>
           </p:cNvPr>
@@ -2524,7 +2524,7 @@
           <p:cNvPr id="3" name="Рисунок 2">
             <a:extLst>
               <a:ext uri="{FF2B5EF4-FFF2-40B4-BE49-F238E27FC236}">
-                <a16:creationId xmlns:a16="http://schemas.microsoft.com/office/drawing/2014/main" xmlns="" id="{FDDCCD96-B61D-47FA-B9E7-FAEC47ED8E5A}"/>
+                <a16:creationId xmlns="" xmlns:a16="http://schemas.microsoft.com/office/drawing/2014/main" id="{FDDCCD96-B61D-47FA-B9E7-FAEC47ED8E5A}"/>
               </a:ext>
             </a:extLst>
           </p:cNvPr>
@@ -2591,7 +2591,7 @@
           <p:cNvPr id="4" name="Текст 3">
             <a:extLst>
               <a:ext uri="{FF2B5EF4-FFF2-40B4-BE49-F238E27FC236}">
-                <a16:creationId xmlns:a16="http://schemas.microsoft.com/office/drawing/2014/main" xmlns="" id="{BD79A9F1-DF94-44AC-B173-7D07335AB58D}"/>
+                <a16:creationId xmlns="" xmlns:a16="http://schemas.microsoft.com/office/drawing/2014/main" id="{BD79A9F1-DF94-44AC-B173-7D07335AB58D}"/>
               </a:ext>
             </a:extLst>
           </p:cNvPr>
@@ -2662,7 +2662,7 @@
           <p:cNvPr id="5" name="Дата 4">
             <a:extLst>
               <a:ext uri="{FF2B5EF4-FFF2-40B4-BE49-F238E27FC236}">
-                <a16:creationId xmlns:a16="http://schemas.microsoft.com/office/drawing/2014/main" xmlns="" id="{F70C62B2-33FB-44CC-89AE-D64D4CF2935D}"/>
+                <a16:creationId xmlns="" xmlns:a16="http://schemas.microsoft.com/office/drawing/2014/main" id="{F70C62B2-33FB-44CC-89AE-D64D4CF2935D}"/>
               </a:ext>
             </a:extLst>
           </p:cNvPr>
@@ -2691,7 +2691,7 @@
           <p:cNvPr id="6" name="Нижний колонтитул 5">
             <a:extLst>
               <a:ext uri="{FF2B5EF4-FFF2-40B4-BE49-F238E27FC236}">
-                <a16:creationId xmlns:a16="http://schemas.microsoft.com/office/drawing/2014/main" xmlns="" id="{9425245E-6721-4D5C-817B-05A5F921D233}"/>
+                <a16:creationId xmlns="" xmlns:a16="http://schemas.microsoft.com/office/drawing/2014/main" id="{9425245E-6721-4D5C-817B-05A5F921D233}"/>
               </a:ext>
             </a:extLst>
           </p:cNvPr>
@@ -2716,7 +2716,7 @@
           <p:cNvPr id="7" name="Номер слайда 6">
             <a:extLst>
               <a:ext uri="{FF2B5EF4-FFF2-40B4-BE49-F238E27FC236}">
-                <a16:creationId xmlns:a16="http://schemas.microsoft.com/office/drawing/2014/main" xmlns="" id="{C129F81E-B955-41BA-A42D-0769D0DCF286}"/>
+                <a16:creationId xmlns="" xmlns:a16="http://schemas.microsoft.com/office/drawing/2014/main" id="{C129F81E-B955-41BA-A42D-0769D0DCF286}"/>
               </a:ext>
             </a:extLst>
           </p:cNvPr>
@@ -2780,7 +2780,7 @@
           <p:cNvPr id="2" name="Заголовок 1">
             <a:extLst>
               <a:ext uri="{FF2B5EF4-FFF2-40B4-BE49-F238E27FC236}">
-                <a16:creationId xmlns:a16="http://schemas.microsoft.com/office/drawing/2014/main" xmlns="" id="{36684929-42F4-42E2-B904-89BEA03F99C4}"/>
+                <a16:creationId xmlns="" xmlns:a16="http://schemas.microsoft.com/office/drawing/2014/main" id="{36684929-42F4-42E2-B904-89BEA03F99C4}"/>
               </a:ext>
             </a:extLst>
           </p:cNvPr>
@@ -2818,7 +2818,7 @@
           <p:cNvPr id="3" name="Текст 2">
             <a:extLst>
               <a:ext uri="{FF2B5EF4-FFF2-40B4-BE49-F238E27FC236}">
-                <a16:creationId xmlns:a16="http://schemas.microsoft.com/office/drawing/2014/main" xmlns="" id="{572BF969-6F0A-4849-91AD-EF5E6A25F8FB}"/>
+                <a16:creationId xmlns="" xmlns:a16="http://schemas.microsoft.com/office/drawing/2014/main" id="{572BF969-6F0A-4849-91AD-EF5E6A25F8FB}"/>
               </a:ext>
             </a:extLst>
           </p:cNvPr>
@@ -2885,7 +2885,7 @@
           <p:cNvPr id="4" name="Дата 3">
             <a:extLst>
               <a:ext uri="{FF2B5EF4-FFF2-40B4-BE49-F238E27FC236}">
-                <a16:creationId xmlns:a16="http://schemas.microsoft.com/office/drawing/2014/main" xmlns="" id="{5567E3A7-CA0D-4757-B132-D968B57B343A}"/>
+                <a16:creationId xmlns="" xmlns:a16="http://schemas.microsoft.com/office/drawing/2014/main" id="{5567E3A7-CA0D-4757-B132-D968B57B343A}"/>
               </a:ext>
             </a:extLst>
           </p:cNvPr>
@@ -2932,7 +2932,7 @@
           <p:cNvPr id="5" name="Нижний колонтитул 4">
             <a:extLst>
               <a:ext uri="{FF2B5EF4-FFF2-40B4-BE49-F238E27FC236}">
-                <a16:creationId xmlns:a16="http://schemas.microsoft.com/office/drawing/2014/main" xmlns="" id="{0B89497A-864D-4965-AC8E-9F268134B63B}"/>
+                <a16:creationId xmlns="" xmlns:a16="http://schemas.microsoft.com/office/drawing/2014/main" id="{0B89497A-864D-4965-AC8E-9F268134B63B}"/>
               </a:ext>
             </a:extLst>
           </p:cNvPr>
@@ -2975,7 +2975,7 @@
           <p:cNvPr id="6" name="Номер слайда 5">
             <a:extLst>
               <a:ext uri="{FF2B5EF4-FFF2-40B4-BE49-F238E27FC236}">
-                <a16:creationId xmlns:a16="http://schemas.microsoft.com/office/drawing/2014/main" xmlns="" id="{53807552-6FD6-4F7C-A1BD-0D8D47347768}"/>
+                <a16:creationId xmlns="" xmlns:a16="http://schemas.microsoft.com/office/drawing/2014/main" id="{53807552-6FD6-4F7C-A1BD-0D8D47347768}"/>
               </a:ext>
             </a:extLst>
           </p:cNvPr>
@@ -3343,7 +3343,7 @@
           <p:cNvPr id="2" name="Заголовок 1">
             <a:extLst>
               <a:ext uri="{FF2B5EF4-FFF2-40B4-BE49-F238E27FC236}">
-                <a16:creationId xmlns:a16="http://schemas.microsoft.com/office/drawing/2014/main" xmlns="" id="{279C0585-01CD-43C0-9984-0730E1630ED7}"/>
+                <a16:creationId xmlns="" xmlns:a16="http://schemas.microsoft.com/office/drawing/2014/main" id="{279C0585-01CD-43C0-9984-0730E1630ED7}"/>
               </a:ext>
             </a:extLst>
           </p:cNvPr>
@@ -3384,7 +3384,7 @@
           <p:cNvPr id="3" name="Подзаголовок 2">
             <a:extLst>
               <a:ext uri="{FF2B5EF4-FFF2-40B4-BE49-F238E27FC236}">
-                <a16:creationId xmlns:a16="http://schemas.microsoft.com/office/drawing/2014/main" xmlns="" id="{C1732E19-2DF1-48F0-84E4-BF89E08B657F}"/>
+                <a16:creationId xmlns="" xmlns:a16="http://schemas.microsoft.com/office/drawing/2014/main" id="{C1732E19-2DF1-48F0-84E4-BF89E08B657F}"/>
               </a:ext>
             </a:extLst>
           </p:cNvPr>
@@ -3660,7 +3660,7 @@
           <p:cNvPr id="2" name="Заголовок 1">
             <a:extLst>
               <a:ext uri="{FF2B5EF4-FFF2-40B4-BE49-F238E27FC236}">
-                <a16:creationId xmlns:a16="http://schemas.microsoft.com/office/drawing/2014/main" xmlns="" id="{64BEA6F8-35B9-407F-B5E1-E2180CF37656}"/>
+                <a16:creationId xmlns="" xmlns:a16="http://schemas.microsoft.com/office/drawing/2014/main" id="{64BEA6F8-35B9-407F-B5E1-E2180CF37656}"/>
               </a:ext>
             </a:extLst>
           </p:cNvPr>
@@ -3689,7 +3689,7 @@
           <p:cNvPr id="3" name="Объект 2">
             <a:extLst>
               <a:ext uri="{FF2B5EF4-FFF2-40B4-BE49-F238E27FC236}">
-                <a16:creationId xmlns:a16="http://schemas.microsoft.com/office/drawing/2014/main" xmlns="" id="{3299C5EE-2212-41A4-8B0C-4FD0FD9F7FAB}"/>
+                <a16:creationId xmlns="" xmlns:a16="http://schemas.microsoft.com/office/drawing/2014/main" id="{3299C5EE-2212-41A4-8B0C-4FD0FD9F7FAB}"/>
               </a:ext>
             </a:extLst>
           </p:cNvPr>
@@ -3799,7 +3799,37 @@
               <a:rPr lang="ru-RU" sz="3200" dirty="0" smtClean="0">
                 <a:latin typeface="+mj-lt"/>
               </a:rPr>
-              <a:t> в профиле.</a:t>
+              <a:t> в </a:t>
+            </a:r>
+            <a:r>
+              <a:rPr lang="ru-RU" sz="3200" dirty="0" smtClean="0">
+                <a:latin typeface="+mj-lt"/>
+              </a:rPr>
+              <a:t>профиле</a:t>
+            </a:r>
+            <a:r>
+              <a:rPr lang="en-US" sz="3200" dirty="0" smtClean="0">
+                <a:latin typeface="+mj-lt"/>
+              </a:rPr>
+              <a:t>; </a:t>
+            </a:r>
+            <a:r>
+              <a:rPr lang="ru-RU" sz="3200" dirty="0" smtClean="0">
+                <a:latin typeface="+mj-lt"/>
+              </a:rPr>
+              <a:t>отображение среднего рейтинга каждого фильма в </a:t>
+            </a:r>
+            <a:r>
+              <a:rPr lang="ru-RU" sz="3200" smtClean="0">
+                <a:latin typeface="+mj-lt"/>
+              </a:rPr>
+              <a:t>библиотеке фильмов</a:t>
+            </a:r>
+            <a:r>
+              <a:rPr lang="ru-RU" sz="3200" smtClean="0">
+                <a:latin typeface="+mj-lt"/>
+              </a:rPr>
+              <a:t>.</a:t>
             </a:r>
             <a:endParaRPr lang="en-US" sz="3200" dirty="0">
               <a:latin typeface="+mj-lt"/>
@@ -3849,7 +3879,7 @@
           <p:cNvPr id="2" name="Заголовок 1">
             <a:extLst>
               <a:ext uri="{FF2B5EF4-FFF2-40B4-BE49-F238E27FC236}">
-                <a16:creationId xmlns:a16="http://schemas.microsoft.com/office/drawing/2014/main" xmlns="" id="{C7AC4C36-9AB4-4C91-B333-49936079FAE6}"/>
+                <a16:creationId xmlns="" xmlns:a16="http://schemas.microsoft.com/office/drawing/2014/main" id="{C7AC4C36-9AB4-4C91-B333-49936079FAE6}"/>
               </a:ext>
             </a:extLst>
           </p:cNvPr>
@@ -3879,7 +3909,7 @@
           <p:cNvPr id="3" name="Объект 2">
             <a:extLst>
               <a:ext uri="{FF2B5EF4-FFF2-40B4-BE49-F238E27FC236}">
-                <a16:creationId xmlns:a16="http://schemas.microsoft.com/office/drawing/2014/main" xmlns="" id="{A7ECA5E3-05C2-452F-BF26-EB07F9357930}"/>
+                <a16:creationId xmlns="" xmlns:a16="http://schemas.microsoft.com/office/drawing/2014/main" id="{A7ECA5E3-05C2-452F-BF26-EB07F9357930}"/>
               </a:ext>
             </a:extLst>
           </p:cNvPr>
@@ -3951,7 +3981,7 @@
           <p:cNvPr id="2" name="Заголовок 1">
             <a:extLst>
               <a:ext uri="{FF2B5EF4-FFF2-40B4-BE49-F238E27FC236}">
-                <a16:creationId xmlns:a16="http://schemas.microsoft.com/office/drawing/2014/main" xmlns="" id="{5DCC12D0-B424-4ADF-AAED-917D5C23DC49}"/>
+                <a16:creationId xmlns="" xmlns:a16="http://schemas.microsoft.com/office/drawing/2014/main" id="{5DCC12D0-B424-4ADF-AAED-917D5C23DC49}"/>
               </a:ext>
             </a:extLst>
           </p:cNvPr>
@@ -3990,7 +4020,7 @@
           <p:cNvPr id="3" name="Объект 2">
             <a:extLst>
               <a:ext uri="{FF2B5EF4-FFF2-40B4-BE49-F238E27FC236}">
-                <a16:creationId xmlns:a16="http://schemas.microsoft.com/office/drawing/2014/main" xmlns="" id="{7F00C11D-9B1A-4E62-87B2-1F8B1CDD2698}"/>
+                <a16:creationId xmlns="" xmlns:a16="http://schemas.microsoft.com/office/drawing/2014/main" id="{7F00C11D-9B1A-4E62-87B2-1F8B1CDD2698}"/>
               </a:ext>
             </a:extLst>
           </p:cNvPr>
@@ -4447,7 +4477,7 @@
           <p:cNvPr id="2" name="Заголовок 1">
             <a:extLst>
               <a:ext uri="{FF2B5EF4-FFF2-40B4-BE49-F238E27FC236}">
-                <a16:creationId xmlns:a16="http://schemas.microsoft.com/office/drawing/2014/main" xmlns="" id="{32D86D1B-9AAC-411E-9958-F0BDE1771CD6}"/>
+                <a16:creationId xmlns="" xmlns:a16="http://schemas.microsoft.com/office/drawing/2014/main" id="{32D86D1B-9AAC-411E-9958-F0BDE1771CD6}"/>
               </a:ext>
             </a:extLst>
           </p:cNvPr>
@@ -4477,7 +4507,7 @@
           <p:cNvPr id="3" name="Объект 2">
             <a:extLst>
               <a:ext uri="{FF2B5EF4-FFF2-40B4-BE49-F238E27FC236}">
-                <a16:creationId xmlns:a16="http://schemas.microsoft.com/office/drawing/2014/main" xmlns="" id="{D91FB031-686C-4B9A-AFD7-A9C1091E0F06}"/>
+                <a16:creationId xmlns="" xmlns:a16="http://schemas.microsoft.com/office/drawing/2014/main" id="{D91FB031-686C-4B9A-AFD7-A9C1091E0F06}"/>
               </a:ext>
             </a:extLst>
           </p:cNvPr>
